--- a/report/diagrams.pptx
+++ b/report/diagrams.pptx
@@ -6,7 +6,8 @@
   </p:sldMasterIdLst>
   <p:sldIdLst>
     <p:sldId id="256" r:id="rId2"/>
-    <p:sldId id="257" r:id="rId3"/>
+    <p:sldId id="258" r:id="rId3"/>
+    <p:sldId id="257" r:id="rId4"/>
   </p:sldIdLst>
   <p:sldSz cx="12192000" cy="6858000"/>
   <p:notesSz cx="6858000" cy="9144000"/>
@@ -105,6 +106,11 @@
       </a:defRPr>
     </a:lvl9pPr>
   </p:defaultTextStyle>
+  <p:extLst>
+    <p:ext uri="{EFAFB233-063F-42B5-8137-9DF3F51BA10A}">
+      <p15:sldGuideLst xmlns:p15="http://schemas.microsoft.com/office/powerpoint/2012/main"/>
+    </p:ext>
+  </p:extLst>
 </p:presentation>
 </file>
 
@@ -257,7 +263,7 @@
           <a:p>
             <a:fld id="{62DB22CD-BB87-417D-BFFB-340B27534922}" type="datetimeFigureOut">
               <a:rPr lang="en-GB" smtClean="0"/>
-              <a:t>19/04/2020</a:t>
+              <a:t>22/04/2020</a:t>
             </a:fld>
             <a:endParaRPr lang="en-GB"/>
           </a:p>
@@ -457,7 +463,7 @@
           <a:p>
             <a:fld id="{62DB22CD-BB87-417D-BFFB-340B27534922}" type="datetimeFigureOut">
               <a:rPr lang="en-GB" smtClean="0"/>
-              <a:t>19/04/2020</a:t>
+              <a:t>22/04/2020</a:t>
             </a:fld>
             <a:endParaRPr lang="en-GB"/>
           </a:p>
@@ -667,7 +673,7 @@
           <a:p>
             <a:fld id="{62DB22CD-BB87-417D-BFFB-340B27534922}" type="datetimeFigureOut">
               <a:rPr lang="en-GB" smtClean="0"/>
-              <a:t>19/04/2020</a:t>
+              <a:t>22/04/2020</a:t>
             </a:fld>
             <a:endParaRPr lang="en-GB"/>
           </a:p>
@@ -867,7 +873,7 @@
           <a:p>
             <a:fld id="{62DB22CD-BB87-417D-BFFB-340B27534922}" type="datetimeFigureOut">
               <a:rPr lang="en-GB" smtClean="0"/>
-              <a:t>19/04/2020</a:t>
+              <a:t>22/04/2020</a:t>
             </a:fld>
             <a:endParaRPr lang="en-GB"/>
           </a:p>
@@ -1143,7 +1149,7 @@
           <a:p>
             <a:fld id="{62DB22CD-BB87-417D-BFFB-340B27534922}" type="datetimeFigureOut">
               <a:rPr lang="en-GB" smtClean="0"/>
-              <a:t>19/04/2020</a:t>
+              <a:t>22/04/2020</a:t>
             </a:fld>
             <a:endParaRPr lang="en-GB"/>
           </a:p>
@@ -1411,7 +1417,7 @@
           <a:p>
             <a:fld id="{62DB22CD-BB87-417D-BFFB-340B27534922}" type="datetimeFigureOut">
               <a:rPr lang="en-GB" smtClean="0"/>
-              <a:t>19/04/2020</a:t>
+              <a:t>22/04/2020</a:t>
             </a:fld>
             <a:endParaRPr lang="en-GB"/>
           </a:p>
@@ -1826,7 +1832,7 @@
           <a:p>
             <a:fld id="{62DB22CD-BB87-417D-BFFB-340B27534922}" type="datetimeFigureOut">
               <a:rPr lang="en-GB" smtClean="0"/>
-              <a:t>19/04/2020</a:t>
+              <a:t>22/04/2020</a:t>
             </a:fld>
             <a:endParaRPr lang="en-GB"/>
           </a:p>
@@ -1968,7 +1974,7 @@
           <a:p>
             <a:fld id="{62DB22CD-BB87-417D-BFFB-340B27534922}" type="datetimeFigureOut">
               <a:rPr lang="en-GB" smtClean="0"/>
-              <a:t>19/04/2020</a:t>
+              <a:t>22/04/2020</a:t>
             </a:fld>
             <a:endParaRPr lang="en-GB"/>
           </a:p>
@@ -2081,7 +2087,7 @@
           <a:p>
             <a:fld id="{62DB22CD-BB87-417D-BFFB-340B27534922}" type="datetimeFigureOut">
               <a:rPr lang="en-GB" smtClean="0"/>
-              <a:t>19/04/2020</a:t>
+              <a:t>22/04/2020</a:t>
             </a:fld>
             <a:endParaRPr lang="en-GB"/>
           </a:p>
@@ -2394,7 +2400,7 @@
           <a:p>
             <a:fld id="{62DB22CD-BB87-417D-BFFB-340B27534922}" type="datetimeFigureOut">
               <a:rPr lang="en-GB" smtClean="0"/>
-              <a:t>19/04/2020</a:t>
+              <a:t>22/04/2020</a:t>
             </a:fld>
             <a:endParaRPr lang="en-GB"/>
           </a:p>
@@ -2683,7 +2689,7 @@
           <a:p>
             <a:fld id="{62DB22CD-BB87-417D-BFFB-340B27534922}" type="datetimeFigureOut">
               <a:rPr lang="en-GB" smtClean="0"/>
-              <a:t>19/04/2020</a:t>
+              <a:t>22/04/2020</a:t>
             </a:fld>
             <a:endParaRPr lang="en-GB"/>
           </a:p>
@@ -2926,7 +2932,7 @@
           <a:p>
             <a:fld id="{62DB22CD-BB87-417D-BFFB-340B27534922}" type="datetimeFigureOut">
               <a:rPr lang="en-GB" smtClean="0"/>
-              <a:t>19/04/2020</a:t>
+              <a:t>22/04/2020</a:t>
             </a:fld>
             <a:endParaRPr lang="en-GB"/>
           </a:p>
@@ -4469,6 +4475,1127 @@
           <p:cNvPr id="4" name="Rectangle: Rounded Corners 3">
             <a:extLst>
               <a:ext uri="{FF2B5EF4-FFF2-40B4-BE49-F238E27FC236}">
+                <a16:creationId xmlns:a16="http://schemas.microsoft.com/office/drawing/2014/main" id="{5A7B45C5-DDFE-4E06-8520-915D361E6A6D}"/>
+              </a:ext>
+            </a:extLst>
+          </p:cNvPr>
+          <p:cNvSpPr/>
+          <p:nvPr/>
+        </p:nvSpPr>
+        <p:spPr>
+          <a:xfrm>
+            <a:off x="5186841" y="1359512"/>
+            <a:ext cx="1778466" cy="1610686"/>
+          </a:xfrm>
+          <a:prstGeom prst="roundRect">
+            <a:avLst/>
+          </a:prstGeom>
+          <a:solidFill>
+            <a:schemeClr val="bg1">
+              <a:lumMod val="95000"/>
+            </a:schemeClr>
+          </a:solidFill>
+          <a:ln>
+            <a:noFill/>
+          </a:ln>
+        </p:spPr>
+        <p:style>
+          <a:lnRef idx="2">
+            <a:schemeClr val="accent1">
+              <a:shade val="50000"/>
+            </a:schemeClr>
+          </a:lnRef>
+          <a:fillRef idx="1">
+            <a:schemeClr val="accent1"/>
+          </a:fillRef>
+          <a:effectRef idx="0">
+            <a:schemeClr val="accent1"/>
+          </a:effectRef>
+          <a:fontRef idx="minor">
+            <a:schemeClr val="lt1"/>
+          </a:fontRef>
+        </p:style>
+        <p:txBody>
+          <a:bodyPr rtlCol="0" anchor="ctr"/>
+          <a:lstStyle/>
+          <a:p>
+            <a:pPr algn="ctr"/>
+            <a:endParaRPr lang="en-GB"/>
+          </a:p>
+        </p:txBody>
+      </p:sp>
+      <p:sp>
+        <p:nvSpPr>
+          <p:cNvPr id="5" name="Rectangle 4">
+            <a:extLst>
+              <a:ext uri="{FF2B5EF4-FFF2-40B4-BE49-F238E27FC236}">
+                <a16:creationId xmlns:a16="http://schemas.microsoft.com/office/drawing/2014/main" id="{6002B6E6-95D9-403C-951E-AD7B2A0E1C31}"/>
+              </a:ext>
+            </a:extLst>
+          </p:cNvPr>
+          <p:cNvSpPr/>
+          <p:nvPr/>
+        </p:nvSpPr>
+        <p:spPr>
+          <a:xfrm>
+            <a:off x="5377341" y="1489742"/>
+            <a:ext cx="1359017" cy="355835"/>
+          </a:xfrm>
+          <a:prstGeom prst="rect">
+            <a:avLst/>
+          </a:prstGeom>
+          <a:noFill/>
+          <a:ln>
+            <a:solidFill>
+              <a:schemeClr val="tx1"/>
+            </a:solidFill>
+          </a:ln>
+        </p:spPr>
+        <p:style>
+          <a:lnRef idx="2">
+            <a:schemeClr val="accent1">
+              <a:shade val="50000"/>
+            </a:schemeClr>
+          </a:lnRef>
+          <a:fillRef idx="1">
+            <a:schemeClr val="accent1"/>
+          </a:fillRef>
+          <a:effectRef idx="0">
+            <a:schemeClr val="accent1"/>
+          </a:effectRef>
+          <a:fontRef idx="minor">
+            <a:schemeClr val="lt1"/>
+          </a:fontRef>
+        </p:style>
+        <p:txBody>
+          <a:bodyPr rtlCol="0" anchor="ctr"/>
+          <a:lstStyle/>
+          <a:p>
+            <a:pPr algn="ctr"/>
+            <a:r>
+              <a:rPr lang="en-GB" sz="1100" dirty="0">
+                <a:solidFill>
+                  <a:schemeClr val="tx1"/>
+                </a:solidFill>
+                <a:latin typeface="Times New Roman" panose="02020603050405020304" pitchFamily="18" charset="0"/>
+                <a:cs typeface="Times New Roman" panose="02020603050405020304" pitchFamily="18" charset="0"/>
+              </a:rPr>
+              <a:t>Bi-LSTM</a:t>
+            </a:r>
+            <a:endParaRPr lang="en-GB" dirty="0">
+              <a:solidFill>
+                <a:schemeClr val="tx1"/>
+              </a:solidFill>
+              <a:latin typeface="Times New Roman" panose="02020603050405020304" pitchFamily="18" charset="0"/>
+              <a:cs typeface="Times New Roman" panose="02020603050405020304" pitchFamily="18" charset="0"/>
+            </a:endParaRPr>
+          </a:p>
+        </p:txBody>
+      </p:sp>
+      <p:sp>
+        <p:nvSpPr>
+          <p:cNvPr id="7" name="Rectangle 6">
+            <a:extLst>
+              <a:ext uri="{FF2B5EF4-FFF2-40B4-BE49-F238E27FC236}">
+                <a16:creationId xmlns:a16="http://schemas.microsoft.com/office/drawing/2014/main" id="{25A02971-6D54-486D-97C5-B95CBB131180}"/>
+              </a:ext>
+            </a:extLst>
+          </p:cNvPr>
+          <p:cNvSpPr/>
+          <p:nvPr/>
+        </p:nvSpPr>
+        <p:spPr>
+          <a:xfrm>
+            <a:off x="5377341" y="2422318"/>
+            <a:ext cx="1359017" cy="355835"/>
+          </a:xfrm>
+          <a:prstGeom prst="rect">
+            <a:avLst/>
+          </a:prstGeom>
+          <a:noFill/>
+          <a:ln>
+            <a:solidFill>
+              <a:schemeClr val="tx1"/>
+            </a:solidFill>
+          </a:ln>
+        </p:spPr>
+        <p:style>
+          <a:lnRef idx="2">
+            <a:schemeClr val="accent1">
+              <a:shade val="50000"/>
+            </a:schemeClr>
+          </a:lnRef>
+          <a:fillRef idx="1">
+            <a:schemeClr val="accent1"/>
+          </a:fillRef>
+          <a:effectRef idx="0">
+            <a:schemeClr val="accent1"/>
+          </a:effectRef>
+          <a:fontRef idx="minor">
+            <a:schemeClr val="lt1"/>
+          </a:fontRef>
+        </p:style>
+        <p:txBody>
+          <a:bodyPr rtlCol="0" anchor="ctr"/>
+          <a:lstStyle/>
+          <a:p>
+            <a:pPr algn="ctr"/>
+            <a:r>
+              <a:rPr lang="en-GB" sz="1100" dirty="0">
+                <a:solidFill>
+                  <a:schemeClr val="tx1"/>
+                </a:solidFill>
+                <a:latin typeface="Times New Roman" panose="02020603050405020304" pitchFamily="18" charset="0"/>
+                <a:cs typeface="Times New Roman" panose="02020603050405020304" pitchFamily="18" charset="0"/>
+              </a:rPr>
+              <a:t>Bi-LSTM</a:t>
+            </a:r>
+            <a:endParaRPr lang="en-GB" dirty="0">
+              <a:solidFill>
+                <a:schemeClr val="tx1"/>
+              </a:solidFill>
+              <a:latin typeface="Times New Roman" panose="02020603050405020304" pitchFamily="18" charset="0"/>
+              <a:cs typeface="Times New Roman" panose="02020603050405020304" pitchFamily="18" charset="0"/>
+            </a:endParaRPr>
+          </a:p>
+        </p:txBody>
+      </p:sp>
+      <p:sp>
+        <p:nvSpPr>
+          <p:cNvPr id="8" name="Rectangle 7">
+            <a:extLst>
+              <a:ext uri="{FF2B5EF4-FFF2-40B4-BE49-F238E27FC236}">
+                <a16:creationId xmlns:a16="http://schemas.microsoft.com/office/drawing/2014/main" id="{82B054B2-46E8-470B-9C4F-16DB93479B52}"/>
+              </a:ext>
+            </a:extLst>
+          </p:cNvPr>
+          <p:cNvSpPr/>
+          <p:nvPr/>
+        </p:nvSpPr>
+        <p:spPr>
+          <a:xfrm>
+            <a:off x="5377341" y="2028389"/>
+            <a:ext cx="1359017" cy="211117"/>
+          </a:xfrm>
+          <a:prstGeom prst="rect">
+            <a:avLst/>
+          </a:prstGeom>
+          <a:noFill/>
+          <a:ln>
+            <a:solidFill>
+              <a:schemeClr val="tx1"/>
+            </a:solidFill>
+          </a:ln>
+        </p:spPr>
+        <p:style>
+          <a:lnRef idx="2">
+            <a:schemeClr val="accent1">
+              <a:shade val="50000"/>
+            </a:schemeClr>
+          </a:lnRef>
+          <a:fillRef idx="1">
+            <a:schemeClr val="accent1"/>
+          </a:fillRef>
+          <a:effectRef idx="0">
+            <a:schemeClr val="accent1"/>
+          </a:effectRef>
+          <a:fontRef idx="minor">
+            <a:schemeClr val="lt1"/>
+          </a:fontRef>
+        </p:style>
+        <p:txBody>
+          <a:bodyPr rtlCol="0" anchor="ctr"/>
+          <a:lstStyle/>
+          <a:p>
+            <a:pPr algn="ctr"/>
+            <a:r>
+              <a:rPr lang="en-GB" sz="1100" dirty="0">
+                <a:solidFill>
+                  <a:schemeClr val="tx1"/>
+                </a:solidFill>
+                <a:latin typeface="Times New Roman" panose="02020603050405020304" pitchFamily="18" charset="0"/>
+                <a:cs typeface="Times New Roman" panose="02020603050405020304" pitchFamily="18" charset="0"/>
+              </a:rPr>
+              <a:t>Graph Convolution</a:t>
+            </a:r>
+            <a:endParaRPr lang="en-GB" dirty="0">
+              <a:solidFill>
+                <a:schemeClr val="tx1"/>
+              </a:solidFill>
+              <a:latin typeface="Times New Roman" panose="02020603050405020304" pitchFamily="18" charset="0"/>
+              <a:cs typeface="Times New Roman" panose="02020603050405020304" pitchFamily="18" charset="0"/>
+            </a:endParaRPr>
+          </a:p>
+        </p:txBody>
+      </p:sp>
+      <p:cxnSp>
+        <p:nvCxnSpPr>
+          <p:cNvPr id="10" name="Straight Arrow Connector 9">
+            <a:extLst>
+              <a:ext uri="{FF2B5EF4-FFF2-40B4-BE49-F238E27FC236}">
+                <a16:creationId xmlns:a16="http://schemas.microsoft.com/office/drawing/2014/main" id="{83A153DB-488F-4E91-89C3-0F5F779A811D}"/>
+              </a:ext>
+            </a:extLst>
+          </p:cNvPr>
+          <p:cNvCxnSpPr>
+            <a:stCxn id="5" idx="2"/>
+            <a:endCxn id="8" idx="0"/>
+          </p:cNvCxnSpPr>
+          <p:nvPr/>
+        </p:nvCxnSpPr>
+        <p:spPr>
+          <a:xfrm>
+            <a:off x="6056850" y="1845577"/>
+            <a:ext cx="0" cy="182812"/>
+          </a:xfrm>
+          <a:prstGeom prst="straightConnector1">
+            <a:avLst/>
+          </a:prstGeom>
+          <a:ln>
+            <a:solidFill>
+              <a:schemeClr val="tx1"/>
+            </a:solidFill>
+            <a:tailEnd type="triangle"/>
+          </a:ln>
+        </p:spPr>
+        <p:style>
+          <a:lnRef idx="1">
+            <a:schemeClr val="accent1"/>
+          </a:lnRef>
+          <a:fillRef idx="0">
+            <a:schemeClr val="accent1"/>
+          </a:fillRef>
+          <a:effectRef idx="0">
+            <a:schemeClr val="accent1"/>
+          </a:effectRef>
+          <a:fontRef idx="minor">
+            <a:schemeClr val="tx1"/>
+          </a:fontRef>
+        </p:style>
+      </p:cxnSp>
+      <p:cxnSp>
+        <p:nvCxnSpPr>
+          <p:cNvPr id="11" name="Straight Arrow Connector 10">
+            <a:extLst>
+              <a:ext uri="{FF2B5EF4-FFF2-40B4-BE49-F238E27FC236}">
+                <a16:creationId xmlns:a16="http://schemas.microsoft.com/office/drawing/2014/main" id="{31780CE4-951C-4C00-91D7-584EA56D76CB}"/>
+              </a:ext>
+            </a:extLst>
+          </p:cNvPr>
+          <p:cNvCxnSpPr>
+            <a:cxnSpLocks/>
+            <a:stCxn id="8" idx="2"/>
+            <a:endCxn id="7" idx="0"/>
+          </p:cNvCxnSpPr>
+          <p:nvPr/>
+        </p:nvCxnSpPr>
+        <p:spPr>
+          <a:xfrm>
+            <a:off x="6056850" y="2239506"/>
+            <a:ext cx="0" cy="182812"/>
+          </a:xfrm>
+          <a:prstGeom prst="straightConnector1">
+            <a:avLst/>
+          </a:prstGeom>
+          <a:ln>
+            <a:solidFill>
+              <a:schemeClr val="tx1"/>
+            </a:solidFill>
+            <a:tailEnd type="triangle"/>
+          </a:ln>
+        </p:spPr>
+        <p:style>
+          <a:lnRef idx="1">
+            <a:schemeClr val="accent1"/>
+          </a:lnRef>
+          <a:fillRef idx="0">
+            <a:schemeClr val="accent1"/>
+          </a:fillRef>
+          <a:effectRef idx="0">
+            <a:schemeClr val="accent1"/>
+          </a:effectRef>
+          <a:fontRef idx="minor">
+            <a:schemeClr val="tx1"/>
+          </a:fontRef>
+        </p:style>
+      </p:cxnSp>
+      <p:sp>
+        <p:nvSpPr>
+          <p:cNvPr id="14" name="TextBox 13">
+            <a:extLst>
+              <a:ext uri="{FF2B5EF4-FFF2-40B4-BE49-F238E27FC236}">
+                <a16:creationId xmlns:a16="http://schemas.microsoft.com/office/drawing/2014/main" id="{BE90CA1D-EFB4-4173-B6DA-86BDA4B01A4A}"/>
+              </a:ext>
+            </a:extLst>
+          </p:cNvPr>
+          <p:cNvSpPr txBox="1"/>
+          <p:nvPr/>
+        </p:nvSpPr>
+        <p:spPr>
+          <a:xfrm>
+            <a:off x="5167617" y="1059017"/>
+            <a:ext cx="1778466" cy="307777"/>
+          </a:xfrm>
+          <a:prstGeom prst="rect">
+            <a:avLst/>
+          </a:prstGeom>
+          <a:noFill/>
+        </p:spPr>
+        <p:txBody>
+          <a:bodyPr wrap="square" rtlCol="0">
+            <a:spAutoFit/>
+          </a:bodyPr>
+          <a:lstStyle/>
+          <a:p>
+            <a:pPr algn="ctr"/>
+            <a:r>
+              <a:rPr lang="en-GB" sz="1400" b="1" u="sng" dirty="0">
+                <a:latin typeface="Times New Roman" panose="02020603050405020304" pitchFamily="18" charset="0"/>
+                <a:cs typeface="Times New Roman" panose="02020603050405020304" pitchFamily="18" charset="0"/>
+              </a:rPr>
+              <a:t>STG-LSTM Block</a:t>
+            </a:r>
+          </a:p>
+        </p:txBody>
+      </p:sp>
+      <p:sp>
+        <p:nvSpPr>
+          <p:cNvPr id="16" name="Rectangle: Rounded Corners 15">
+            <a:extLst>
+              <a:ext uri="{FF2B5EF4-FFF2-40B4-BE49-F238E27FC236}">
+                <a16:creationId xmlns:a16="http://schemas.microsoft.com/office/drawing/2014/main" id="{E231E160-55E7-4CC6-A09A-8CFE63A7664F}"/>
+              </a:ext>
+            </a:extLst>
+          </p:cNvPr>
+          <p:cNvSpPr/>
+          <p:nvPr/>
+        </p:nvSpPr>
+        <p:spPr>
+          <a:xfrm>
+            <a:off x="7625591" y="953729"/>
+            <a:ext cx="2207702" cy="2410256"/>
+          </a:xfrm>
+          <a:prstGeom prst="roundRect">
+            <a:avLst/>
+          </a:prstGeom>
+          <a:solidFill>
+            <a:schemeClr val="bg1">
+              <a:lumMod val="95000"/>
+            </a:schemeClr>
+          </a:solidFill>
+          <a:ln>
+            <a:noFill/>
+          </a:ln>
+        </p:spPr>
+        <p:style>
+          <a:lnRef idx="2">
+            <a:schemeClr val="accent1">
+              <a:shade val="50000"/>
+            </a:schemeClr>
+          </a:lnRef>
+          <a:fillRef idx="1">
+            <a:schemeClr val="accent1"/>
+          </a:fillRef>
+          <a:effectRef idx="0">
+            <a:schemeClr val="accent1"/>
+          </a:effectRef>
+          <a:fontRef idx="minor">
+            <a:schemeClr val="lt1"/>
+          </a:fontRef>
+        </p:style>
+        <p:txBody>
+          <a:bodyPr rtlCol="0" anchor="ctr"/>
+          <a:lstStyle/>
+          <a:p>
+            <a:pPr algn="ctr"/>
+            <a:endParaRPr lang="en-GB"/>
+          </a:p>
+        </p:txBody>
+      </p:sp>
+      <p:sp>
+        <p:nvSpPr>
+          <p:cNvPr id="17" name="Rectangle 16">
+            <a:extLst>
+              <a:ext uri="{FF2B5EF4-FFF2-40B4-BE49-F238E27FC236}">
+                <a16:creationId xmlns:a16="http://schemas.microsoft.com/office/drawing/2014/main" id="{A448BC13-A6AD-43C7-A590-5C73699B0A88}"/>
+              </a:ext>
+            </a:extLst>
+          </p:cNvPr>
+          <p:cNvSpPr/>
+          <p:nvPr/>
+        </p:nvSpPr>
+        <p:spPr>
+          <a:xfrm>
+            <a:off x="8049930" y="1637001"/>
+            <a:ext cx="1359017" cy="355835"/>
+          </a:xfrm>
+          <a:prstGeom prst="rect">
+            <a:avLst/>
+          </a:prstGeom>
+          <a:noFill/>
+          <a:ln>
+            <a:solidFill>
+              <a:schemeClr val="tx1"/>
+            </a:solidFill>
+          </a:ln>
+        </p:spPr>
+        <p:style>
+          <a:lnRef idx="2">
+            <a:schemeClr val="accent1">
+              <a:shade val="50000"/>
+            </a:schemeClr>
+          </a:lnRef>
+          <a:fillRef idx="1">
+            <a:schemeClr val="accent1"/>
+          </a:fillRef>
+          <a:effectRef idx="0">
+            <a:schemeClr val="accent1"/>
+          </a:effectRef>
+          <a:fontRef idx="minor">
+            <a:schemeClr val="lt1"/>
+          </a:fontRef>
+        </p:style>
+        <p:txBody>
+          <a:bodyPr rtlCol="0" anchor="ctr"/>
+          <a:lstStyle/>
+          <a:p>
+            <a:pPr algn="ctr"/>
+            <a:r>
+              <a:rPr lang="en-GB" sz="1100" dirty="0">
+                <a:solidFill>
+                  <a:schemeClr val="tx1"/>
+                </a:solidFill>
+                <a:latin typeface="Times New Roman" panose="02020603050405020304" pitchFamily="18" charset="0"/>
+                <a:cs typeface="Times New Roman" panose="02020603050405020304" pitchFamily="18" charset="0"/>
+              </a:rPr>
+              <a:t>STG-LSTM Block</a:t>
+            </a:r>
+            <a:endParaRPr lang="en-GB" dirty="0">
+              <a:solidFill>
+                <a:schemeClr val="tx1"/>
+              </a:solidFill>
+              <a:latin typeface="Times New Roman" panose="02020603050405020304" pitchFamily="18" charset="0"/>
+              <a:cs typeface="Times New Roman" panose="02020603050405020304" pitchFamily="18" charset="0"/>
+            </a:endParaRPr>
+          </a:p>
+        </p:txBody>
+      </p:sp>
+      <p:sp>
+        <p:nvSpPr>
+          <p:cNvPr id="18" name="Rectangle 17">
+            <a:extLst>
+              <a:ext uri="{FF2B5EF4-FFF2-40B4-BE49-F238E27FC236}">
+                <a16:creationId xmlns:a16="http://schemas.microsoft.com/office/drawing/2014/main" id="{86BC7B6C-B918-4109-ABEC-BDBA679E3CA3}"/>
+              </a:ext>
+            </a:extLst>
+          </p:cNvPr>
+          <p:cNvSpPr/>
+          <p:nvPr/>
+        </p:nvSpPr>
+        <p:spPr>
+          <a:xfrm>
+            <a:off x="7915706" y="1117448"/>
+            <a:ext cx="1627463" cy="355835"/>
+          </a:xfrm>
+          <a:prstGeom prst="rect">
+            <a:avLst/>
+          </a:prstGeom>
+          <a:noFill/>
+          <a:ln>
+            <a:solidFill>
+              <a:schemeClr val="tx1"/>
+            </a:solidFill>
+          </a:ln>
+        </p:spPr>
+        <p:style>
+          <a:lnRef idx="2">
+            <a:schemeClr val="accent1">
+              <a:shade val="50000"/>
+            </a:schemeClr>
+          </a:lnRef>
+          <a:fillRef idx="1">
+            <a:schemeClr val="accent1"/>
+          </a:fillRef>
+          <a:effectRef idx="0">
+            <a:schemeClr val="accent1"/>
+          </a:effectRef>
+          <a:fontRef idx="minor">
+            <a:schemeClr val="lt1"/>
+          </a:fontRef>
+        </p:style>
+        <p:txBody>
+          <a:bodyPr rtlCol="0" anchor="ctr"/>
+          <a:lstStyle/>
+          <a:p>
+            <a:pPr algn="ctr"/>
+            <a:r>
+              <a:rPr lang="en-GB" sz="1100" dirty="0">
+                <a:solidFill>
+                  <a:schemeClr val="tx1"/>
+                </a:solidFill>
+                <a:latin typeface="Times New Roman" panose="02020603050405020304" pitchFamily="18" charset="0"/>
+                <a:cs typeface="Times New Roman" panose="02020603050405020304" pitchFamily="18" charset="0"/>
+              </a:rPr>
+              <a:t>Historical Time Series + Adjacency Matrix</a:t>
+            </a:r>
+            <a:endParaRPr lang="en-GB" dirty="0">
+              <a:solidFill>
+                <a:schemeClr val="tx1"/>
+              </a:solidFill>
+              <a:latin typeface="Times New Roman" panose="02020603050405020304" pitchFamily="18" charset="0"/>
+              <a:cs typeface="Times New Roman" panose="02020603050405020304" pitchFamily="18" charset="0"/>
+            </a:endParaRPr>
+          </a:p>
+        </p:txBody>
+      </p:sp>
+      <p:sp>
+        <p:nvSpPr>
+          <p:cNvPr id="19" name="Rectangle 18">
+            <a:extLst>
+              <a:ext uri="{FF2B5EF4-FFF2-40B4-BE49-F238E27FC236}">
+                <a16:creationId xmlns:a16="http://schemas.microsoft.com/office/drawing/2014/main" id="{37611ED6-24D7-441E-B03E-3B825CCBE778}"/>
+              </a:ext>
+            </a:extLst>
+          </p:cNvPr>
+          <p:cNvSpPr/>
+          <p:nvPr/>
+        </p:nvSpPr>
+        <p:spPr>
+          <a:xfrm>
+            <a:off x="8049930" y="2118618"/>
+            <a:ext cx="1359017" cy="355835"/>
+          </a:xfrm>
+          <a:prstGeom prst="rect">
+            <a:avLst/>
+          </a:prstGeom>
+          <a:noFill/>
+          <a:ln>
+            <a:solidFill>
+              <a:schemeClr val="tx1"/>
+            </a:solidFill>
+          </a:ln>
+        </p:spPr>
+        <p:style>
+          <a:lnRef idx="2">
+            <a:schemeClr val="accent1">
+              <a:shade val="50000"/>
+            </a:schemeClr>
+          </a:lnRef>
+          <a:fillRef idx="1">
+            <a:schemeClr val="accent1"/>
+          </a:fillRef>
+          <a:effectRef idx="0">
+            <a:schemeClr val="accent1"/>
+          </a:effectRef>
+          <a:fontRef idx="minor">
+            <a:schemeClr val="lt1"/>
+          </a:fontRef>
+        </p:style>
+        <p:txBody>
+          <a:bodyPr rtlCol="0" anchor="ctr"/>
+          <a:lstStyle/>
+          <a:p>
+            <a:pPr algn="ctr"/>
+            <a:r>
+              <a:rPr lang="en-GB" sz="1100" dirty="0">
+                <a:solidFill>
+                  <a:schemeClr val="tx1"/>
+                </a:solidFill>
+                <a:latin typeface="Times New Roman" panose="02020603050405020304" pitchFamily="18" charset="0"/>
+                <a:cs typeface="Times New Roman" panose="02020603050405020304" pitchFamily="18" charset="0"/>
+              </a:rPr>
+              <a:t>STG-LSTM Block</a:t>
+            </a:r>
+            <a:endParaRPr lang="en-GB" dirty="0">
+              <a:solidFill>
+                <a:schemeClr val="tx1"/>
+              </a:solidFill>
+              <a:latin typeface="Times New Roman" panose="02020603050405020304" pitchFamily="18" charset="0"/>
+              <a:cs typeface="Times New Roman" panose="02020603050405020304" pitchFamily="18" charset="0"/>
+            </a:endParaRPr>
+          </a:p>
+        </p:txBody>
+      </p:sp>
+      <p:sp>
+        <p:nvSpPr>
+          <p:cNvPr id="21" name="Rectangle 20">
+            <a:extLst>
+              <a:ext uri="{FF2B5EF4-FFF2-40B4-BE49-F238E27FC236}">
+                <a16:creationId xmlns:a16="http://schemas.microsoft.com/office/drawing/2014/main" id="{291F5E57-9EA0-43EA-83C6-827D467E0882}"/>
+              </a:ext>
+            </a:extLst>
+          </p:cNvPr>
+          <p:cNvSpPr/>
+          <p:nvPr/>
+        </p:nvSpPr>
+        <p:spPr>
+          <a:xfrm>
+            <a:off x="8049930" y="2600235"/>
+            <a:ext cx="1359017" cy="355835"/>
+          </a:xfrm>
+          <a:prstGeom prst="rect">
+            <a:avLst/>
+          </a:prstGeom>
+          <a:noFill/>
+          <a:ln>
+            <a:solidFill>
+              <a:schemeClr val="tx1"/>
+            </a:solidFill>
+          </a:ln>
+        </p:spPr>
+        <p:style>
+          <a:lnRef idx="2">
+            <a:schemeClr val="accent1">
+              <a:shade val="50000"/>
+            </a:schemeClr>
+          </a:lnRef>
+          <a:fillRef idx="1">
+            <a:schemeClr val="accent1"/>
+          </a:fillRef>
+          <a:effectRef idx="0">
+            <a:schemeClr val="accent1"/>
+          </a:effectRef>
+          <a:fontRef idx="minor">
+            <a:schemeClr val="lt1"/>
+          </a:fontRef>
+        </p:style>
+        <p:txBody>
+          <a:bodyPr rtlCol="0" anchor="ctr"/>
+          <a:lstStyle/>
+          <a:p>
+            <a:pPr algn="ctr"/>
+            <a:r>
+              <a:rPr lang="en-GB" sz="1100" dirty="0">
+                <a:solidFill>
+                  <a:schemeClr val="tx1"/>
+                </a:solidFill>
+                <a:latin typeface="Times New Roman" panose="02020603050405020304" pitchFamily="18" charset="0"/>
+                <a:cs typeface="Times New Roman" panose="02020603050405020304" pitchFamily="18" charset="0"/>
+              </a:rPr>
+              <a:t>Bi-LSTM</a:t>
+            </a:r>
+            <a:endParaRPr lang="en-GB" dirty="0">
+              <a:solidFill>
+                <a:schemeClr val="tx1"/>
+              </a:solidFill>
+              <a:latin typeface="Times New Roman" panose="02020603050405020304" pitchFamily="18" charset="0"/>
+              <a:cs typeface="Times New Roman" panose="02020603050405020304" pitchFamily="18" charset="0"/>
+            </a:endParaRPr>
+          </a:p>
+        </p:txBody>
+      </p:sp>
+      <p:sp>
+        <p:nvSpPr>
+          <p:cNvPr id="22" name="Rectangle 21">
+            <a:extLst>
+              <a:ext uri="{FF2B5EF4-FFF2-40B4-BE49-F238E27FC236}">
+                <a16:creationId xmlns:a16="http://schemas.microsoft.com/office/drawing/2014/main" id="{DA8D09D1-A4C0-438F-AE82-0E5E9555042D}"/>
+              </a:ext>
+            </a:extLst>
+          </p:cNvPr>
+          <p:cNvSpPr/>
+          <p:nvPr/>
+        </p:nvSpPr>
+        <p:spPr>
+          <a:xfrm>
+            <a:off x="8049930" y="3078067"/>
+            <a:ext cx="1359017" cy="211117"/>
+          </a:xfrm>
+          <a:prstGeom prst="rect">
+            <a:avLst/>
+          </a:prstGeom>
+          <a:noFill/>
+          <a:ln>
+            <a:solidFill>
+              <a:schemeClr val="tx1"/>
+            </a:solidFill>
+          </a:ln>
+        </p:spPr>
+        <p:style>
+          <a:lnRef idx="2">
+            <a:schemeClr val="accent1">
+              <a:shade val="50000"/>
+            </a:schemeClr>
+          </a:lnRef>
+          <a:fillRef idx="1">
+            <a:schemeClr val="accent1"/>
+          </a:fillRef>
+          <a:effectRef idx="0">
+            <a:schemeClr val="accent1"/>
+          </a:effectRef>
+          <a:fontRef idx="minor">
+            <a:schemeClr val="lt1"/>
+          </a:fontRef>
+        </p:style>
+        <p:txBody>
+          <a:bodyPr rtlCol="0" anchor="ctr"/>
+          <a:lstStyle/>
+          <a:p>
+            <a:pPr algn="ctr"/>
+            <a:r>
+              <a:rPr lang="en-GB" sz="1100" dirty="0">
+                <a:solidFill>
+                  <a:schemeClr val="tx1"/>
+                </a:solidFill>
+                <a:latin typeface="Times New Roman" panose="02020603050405020304" pitchFamily="18" charset="0"/>
+                <a:cs typeface="Times New Roman" panose="02020603050405020304" pitchFamily="18" charset="0"/>
+              </a:rPr>
+              <a:t>Dense Layer</a:t>
+            </a:r>
+            <a:endParaRPr lang="en-GB" dirty="0">
+              <a:solidFill>
+                <a:schemeClr val="tx1"/>
+              </a:solidFill>
+              <a:latin typeface="Times New Roman" panose="02020603050405020304" pitchFamily="18" charset="0"/>
+              <a:cs typeface="Times New Roman" panose="02020603050405020304" pitchFamily="18" charset="0"/>
+            </a:endParaRPr>
+          </a:p>
+        </p:txBody>
+      </p:sp>
+      <p:cxnSp>
+        <p:nvCxnSpPr>
+          <p:cNvPr id="23" name="Straight Arrow Connector 22">
+            <a:extLst>
+              <a:ext uri="{FF2B5EF4-FFF2-40B4-BE49-F238E27FC236}">
+                <a16:creationId xmlns:a16="http://schemas.microsoft.com/office/drawing/2014/main" id="{1CC6A59E-0C9C-4321-95E9-F4AEF9CDBB22}"/>
+              </a:ext>
+            </a:extLst>
+          </p:cNvPr>
+          <p:cNvCxnSpPr>
+            <a:cxnSpLocks/>
+            <a:stCxn id="18" idx="2"/>
+            <a:endCxn id="17" idx="0"/>
+          </p:cNvCxnSpPr>
+          <p:nvPr/>
+        </p:nvCxnSpPr>
+        <p:spPr>
+          <a:xfrm>
+            <a:off x="8729438" y="1473283"/>
+            <a:ext cx="1" cy="163718"/>
+          </a:xfrm>
+          <a:prstGeom prst="straightConnector1">
+            <a:avLst/>
+          </a:prstGeom>
+          <a:ln>
+            <a:solidFill>
+              <a:schemeClr val="tx1"/>
+            </a:solidFill>
+            <a:tailEnd type="triangle"/>
+          </a:ln>
+        </p:spPr>
+        <p:style>
+          <a:lnRef idx="1">
+            <a:schemeClr val="accent1"/>
+          </a:lnRef>
+          <a:fillRef idx="0">
+            <a:schemeClr val="accent1"/>
+          </a:fillRef>
+          <a:effectRef idx="0">
+            <a:schemeClr val="accent1"/>
+          </a:effectRef>
+          <a:fontRef idx="minor">
+            <a:schemeClr val="tx1"/>
+          </a:fontRef>
+        </p:style>
+      </p:cxnSp>
+      <p:cxnSp>
+        <p:nvCxnSpPr>
+          <p:cNvPr id="27" name="Straight Arrow Connector 26">
+            <a:extLst>
+              <a:ext uri="{FF2B5EF4-FFF2-40B4-BE49-F238E27FC236}">
+                <a16:creationId xmlns:a16="http://schemas.microsoft.com/office/drawing/2014/main" id="{46103535-34BA-421B-A23D-060CEE03EDAA}"/>
+              </a:ext>
+            </a:extLst>
+          </p:cNvPr>
+          <p:cNvCxnSpPr>
+            <a:cxnSpLocks/>
+            <a:endCxn id="19" idx="0"/>
+          </p:cNvCxnSpPr>
+          <p:nvPr/>
+        </p:nvCxnSpPr>
+        <p:spPr>
+          <a:xfrm>
+            <a:off x="8729439" y="2016536"/>
+            <a:ext cx="0" cy="102082"/>
+          </a:xfrm>
+          <a:prstGeom prst="straightConnector1">
+            <a:avLst/>
+          </a:prstGeom>
+          <a:ln>
+            <a:solidFill>
+              <a:schemeClr val="tx1"/>
+            </a:solidFill>
+            <a:tailEnd type="triangle"/>
+          </a:ln>
+        </p:spPr>
+        <p:style>
+          <a:lnRef idx="1">
+            <a:schemeClr val="accent1"/>
+          </a:lnRef>
+          <a:fillRef idx="0">
+            <a:schemeClr val="accent1"/>
+          </a:fillRef>
+          <a:effectRef idx="0">
+            <a:schemeClr val="accent1"/>
+          </a:effectRef>
+          <a:fontRef idx="minor">
+            <a:schemeClr val="tx1"/>
+          </a:fontRef>
+        </p:style>
+      </p:cxnSp>
+      <p:cxnSp>
+        <p:nvCxnSpPr>
+          <p:cNvPr id="30" name="Straight Arrow Connector 29">
+            <a:extLst>
+              <a:ext uri="{FF2B5EF4-FFF2-40B4-BE49-F238E27FC236}">
+                <a16:creationId xmlns:a16="http://schemas.microsoft.com/office/drawing/2014/main" id="{6415D36D-C1B0-4C9A-817C-8B86DC3E28CC}"/>
+              </a:ext>
+            </a:extLst>
+          </p:cNvPr>
+          <p:cNvCxnSpPr>
+            <a:cxnSpLocks/>
+            <a:stCxn id="19" idx="2"/>
+            <a:endCxn id="21" idx="0"/>
+          </p:cNvCxnSpPr>
+          <p:nvPr/>
+        </p:nvCxnSpPr>
+        <p:spPr>
+          <a:xfrm>
+            <a:off x="8729439" y="2474453"/>
+            <a:ext cx="0" cy="125782"/>
+          </a:xfrm>
+          <a:prstGeom prst="straightConnector1">
+            <a:avLst/>
+          </a:prstGeom>
+          <a:ln>
+            <a:solidFill>
+              <a:schemeClr val="tx1"/>
+            </a:solidFill>
+            <a:tailEnd type="triangle"/>
+          </a:ln>
+        </p:spPr>
+        <p:style>
+          <a:lnRef idx="1">
+            <a:schemeClr val="accent1"/>
+          </a:lnRef>
+          <a:fillRef idx="0">
+            <a:schemeClr val="accent1"/>
+          </a:fillRef>
+          <a:effectRef idx="0">
+            <a:schemeClr val="accent1"/>
+          </a:effectRef>
+          <a:fontRef idx="minor">
+            <a:schemeClr val="tx1"/>
+          </a:fontRef>
+        </p:style>
+      </p:cxnSp>
+      <p:cxnSp>
+        <p:nvCxnSpPr>
+          <p:cNvPr id="33" name="Straight Arrow Connector 32">
+            <a:extLst>
+              <a:ext uri="{FF2B5EF4-FFF2-40B4-BE49-F238E27FC236}">
+                <a16:creationId xmlns:a16="http://schemas.microsoft.com/office/drawing/2014/main" id="{9F533D39-430E-4DF0-B673-BD6957BF2471}"/>
+              </a:ext>
+            </a:extLst>
+          </p:cNvPr>
+          <p:cNvCxnSpPr>
+            <a:cxnSpLocks/>
+          </p:cNvCxnSpPr>
+          <p:nvPr/>
+        </p:nvCxnSpPr>
+        <p:spPr>
+          <a:xfrm>
+            <a:off x="8729437" y="2970199"/>
+            <a:ext cx="0" cy="107868"/>
+          </a:xfrm>
+          <a:prstGeom prst="straightConnector1">
+            <a:avLst/>
+          </a:prstGeom>
+          <a:ln>
+            <a:solidFill>
+              <a:schemeClr val="tx1"/>
+            </a:solidFill>
+            <a:tailEnd type="triangle"/>
+          </a:ln>
+        </p:spPr>
+        <p:style>
+          <a:lnRef idx="1">
+            <a:schemeClr val="accent1"/>
+          </a:lnRef>
+          <a:fillRef idx="0">
+            <a:schemeClr val="accent1"/>
+          </a:fillRef>
+          <a:effectRef idx="0">
+            <a:schemeClr val="accent1"/>
+          </a:effectRef>
+          <a:fontRef idx="minor">
+            <a:schemeClr val="tx1"/>
+          </a:fontRef>
+        </p:style>
+      </p:cxnSp>
+      <p:cxnSp>
+        <p:nvCxnSpPr>
+          <p:cNvPr id="38" name="Straight Connector 37">
+            <a:extLst>
+              <a:ext uri="{FF2B5EF4-FFF2-40B4-BE49-F238E27FC236}">
+                <a16:creationId xmlns:a16="http://schemas.microsoft.com/office/drawing/2014/main" id="{FDDD3011-6931-4621-A6D3-83FF1492D8E5}"/>
+              </a:ext>
+            </a:extLst>
+          </p:cNvPr>
+          <p:cNvCxnSpPr>
+            <a:cxnSpLocks/>
+            <a:endCxn id="14" idx="3"/>
+          </p:cNvCxnSpPr>
+          <p:nvPr/>
+        </p:nvCxnSpPr>
+        <p:spPr>
+          <a:xfrm flipH="1" flipV="1">
+            <a:off x="6946083" y="1212906"/>
+            <a:ext cx="1103850" cy="905714"/>
+          </a:xfrm>
+          <a:prstGeom prst="line">
+            <a:avLst/>
+          </a:prstGeom>
+          <a:ln>
+            <a:solidFill>
+              <a:schemeClr val="tx1"/>
+            </a:solidFill>
+            <a:prstDash val="dash"/>
+          </a:ln>
+        </p:spPr>
+        <p:style>
+          <a:lnRef idx="1">
+            <a:schemeClr val="accent1"/>
+          </a:lnRef>
+          <a:fillRef idx="0">
+            <a:schemeClr val="accent1"/>
+          </a:fillRef>
+          <a:effectRef idx="0">
+            <a:schemeClr val="accent1"/>
+          </a:effectRef>
+          <a:fontRef idx="minor">
+            <a:schemeClr val="tx1"/>
+          </a:fontRef>
+        </p:style>
+      </p:cxnSp>
+      <p:cxnSp>
+        <p:nvCxnSpPr>
+          <p:cNvPr id="40" name="Straight Connector 39">
+            <a:extLst>
+              <a:ext uri="{FF2B5EF4-FFF2-40B4-BE49-F238E27FC236}">
+                <a16:creationId xmlns:a16="http://schemas.microsoft.com/office/drawing/2014/main" id="{8B52A22F-17C5-489E-9E94-F9B2DB065A78}"/>
+              </a:ext>
+            </a:extLst>
+          </p:cNvPr>
+          <p:cNvCxnSpPr>
+            <a:cxnSpLocks/>
+          </p:cNvCxnSpPr>
+          <p:nvPr/>
+        </p:nvCxnSpPr>
+        <p:spPr>
+          <a:xfrm flipH="1">
+            <a:off x="6926858" y="2474453"/>
+            <a:ext cx="1123071" cy="597827"/>
+          </a:xfrm>
+          <a:prstGeom prst="line">
+            <a:avLst/>
+          </a:prstGeom>
+          <a:ln>
+            <a:solidFill>
+              <a:schemeClr val="tx1"/>
+            </a:solidFill>
+            <a:prstDash val="dash"/>
+          </a:ln>
+        </p:spPr>
+        <p:style>
+          <a:lnRef idx="1">
+            <a:schemeClr val="accent1"/>
+          </a:lnRef>
+          <a:fillRef idx="0">
+            <a:schemeClr val="accent1"/>
+          </a:fillRef>
+          <a:effectRef idx="0">
+            <a:schemeClr val="accent1"/>
+          </a:effectRef>
+          <a:fontRef idx="minor">
+            <a:schemeClr val="tx1"/>
+          </a:fontRef>
+        </p:style>
+      </p:cxnSp>
+      <p:sp>
+        <p:nvSpPr>
+          <p:cNvPr id="45" name="TextBox 44">
+            <a:extLst>
+              <a:ext uri="{FF2B5EF4-FFF2-40B4-BE49-F238E27FC236}">
+                <a16:creationId xmlns:a16="http://schemas.microsoft.com/office/drawing/2014/main" id="{ADEC73B2-3177-48DA-85AC-CD16C9B13406}"/>
+              </a:ext>
+            </a:extLst>
+          </p:cNvPr>
+          <p:cNvSpPr txBox="1"/>
+          <p:nvPr/>
+        </p:nvSpPr>
+        <p:spPr>
+          <a:xfrm>
+            <a:off x="7840204" y="680082"/>
+            <a:ext cx="1778466" cy="307777"/>
+          </a:xfrm>
+          <a:prstGeom prst="rect">
+            <a:avLst/>
+          </a:prstGeom>
+          <a:noFill/>
+        </p:spPr>
+        <p:txBody>
+          <a:bodyPr wrap="square" rtlCol="0">
+            <a:spAutoFit/>
+          </a:bodyPr>
+          <a:lstStyle/>
+          <a:p>
+            <a:pPr algn="ctr"/>
+            <a:r>
+              <a:rPr lang="en-GB" sz="1400" b="1" u="sng" dirty="0">
+                <a:latin typeface="Times New Roman" panose="02020603050405020304" pitchFamily="18" charset="0"/>
+                <a:cs typeface="Times New Roman" panose="02020603050405020304" pitchFamily="18" charset="0"/>
+              </a:rPr>
+              <a:t>STG-LSTM</a:t>
+            </a:r>
+          </a:p>
+        </p:txBody>
+      </p:sp>
+    </p:spTree>
+    <p:extLst>
+      <p:ext uri="{BB962C8B-B14F-4D97-AF65-F5344CB8AC3E}">
+        <p14:creationId xmlns:p14="http://schemas.microsoft.com/office/powerpoint/2010/main" val="1027300469"/>
+      </p:ext>
+    </p:extLst>
+  </p:cSld>
+  <p:clrMapOvr>
+    <a:masterClrMapping/>
+  </p:clrMapOvr>
+</p:sld>
+</file>
+
+<file path=ppt/slides/slide3.xml><?xml version="1.0" encoding="utf-8"?>
+<p:sld xmlns:a="http://schemas.openxmlformats.org/drawingml/2006/main" xmlns:r="http://schemas.openxmlformats.org/officeDocument/2006/relationships" xmlns:p="http://schemas.openxmlformats.org/presentationml/2006/main">
+  <p:cSld>
+    <p:spTree>
+      <p:nvGrpSpPr>
+        <p:cNvPr id="1" name=""/>
+        <p:cNvGrpSpPr/>
+        <p:nvPr/>
+      </p:nvGrpSpPr>
+      <p:grpSpPr>
+        <a:xfrm>
+          <a:off x="0" y="0"/>
+          <a:ext cx="0" cy="0"/>
+          <a:chOff x="0" y="0"/>
+          <a:chExt cx="0" cy="0"/>
+        </a:xfrm>
+      </p:grpSpPr>
+      <p:sp>
+        <p:nvSpPr>
+          <p:cNvPr id="4" name="Rectangle: Rounded Corners 3">
+            <a:extLst>
+              <a:ext uri="{FF2B5EF4-FFF2-40B4-BE49-F238E27FC236}">
                 <a16:creationId xmlns:a16="http://schemas.microsoft.com/office/drawing/2014/main" id="{19D390E6-46F0-4085-95C5-5FE66ABFD83E}"/>
               </a:ext>
             </a:extLst>
